--- a/ADS-PHASE2.pptx
+++ b/ADS-PHASE2.pptx
@@ -6664,8 +6664,8 @@
         </p:nvSpPr>
         <p:spPr>
           <a:xfrm>
-            <a:off x="8037164" y="5307562"/>
-            <a:ext cx="3233579" cy="584775"/>
+            <a:off x="8609435" y="5307562"/>
+            <a:ext cx="2089033" cy="584775"/>
           </a:xfrm>
           <a:prstGeom prst="rect">
             <a:avLst/>
@@ -6689,7 +6689,7 @@
                   <a:reflection blurRad="6350" stA="53000" endA="300" endPos="35500" dir="5400000" sy="-90000" algn="bl" rotWithShape="0"/>
                 </a:effectLst>
               </a:rPr>
-              <a:t>-ENNILAVAN SV</a:t>
+              <a:t>FRANCIES</a:t>
             </a:r>
             <a:endParaRPr lang="en-US" sz="3200" b="0" cap="none" spc="0" dirty="0">
               <a:ln w="0"/>
